--- a/Avant-projet/Ité3.pptx
+++ b/Avant-projet/Ité3.pptx
@@ -7065,8 +7065,8 @@
         </p:nvSpPr>
         <p:spPr>
           <a:xfrm>
-            <a:off x="2437096" y="1791283"/>
-            <a:ext cx="3172663" cy="2308324"/>
+            <a:off x="1117793" y="2346674"/>
+            <a:ext cx="5719836" cy="830997"/>
           </a:xfrm>
           <a:prstGeom prst="rect">
             <a:avLst/>
@@ -7085,36 +7085,9 @@
                 <a:latin typeface="+mj-lt"/>
                 <a:cs typeface="MV Boli" panose="02000500030200090000" pitchFamily="2" charset="0"/>
               </a:rPr>
-              <a:t>Recette</a:t>
-            </a:r>
-          </a:p>
-          <a:p>
-            <a:pPr algn="ctr"/>
+              <a:t>Recette Itération 3</a:t>
+            </a:r>
             <a:endParaRPr lang="fr-FR" sz="4800" u="sng" dirty="0" smtClean="0">
-              <a:latin typeface="+mj-lt"/>
-              <a:cs typeface="MV Boli" panose="02000500030200090000" pitchFamily="2" charset="0"/>
-            </a:endParaRPr>
-          </a:p>
-          <a:p>
-            <a:pPr algn="ctr"/>
-            <a:r>
-              <a:rPr lang="fr-FR" sz="2400" u="sng" dirty="0" smtClean="0">
-                <a:latin typeface="+mj-lt"/>
-                <a:cs typeface="MV Boli" panose="02000500030200090000" pitchFamily="2" charset="0"/>
-              </a:rPr>
-              <a:t>(de la marmelade</a:t>
-            </a:r>
-          </a:p>
-          <a:p>
-            <a:pPr algn="ctr"/>
-            <a:r>
-              <a:rPr lang="fr-FR" sz="2400" u="sng" dirty="0" smtClean="0">
-                <a:latin typeface="+mj-lt"/>
-                <a:cs typeface="MV Boli" panose="02000500030200090000" pitchFamily="2" charset="0"/>
-              </a:rPr>
-              <a:t>de ma grand-mère)</a:t>
-            </a:r>
-            <a:endParaRPr lang="fr-FR" sz="2400" u="sng" dirty="0">
               <a:latin typeface="+mj-lt"/>
               <a:cs typeface="MV Boli" panose="02000500030200090000" pitchFamily="2" charset="0"/>
             </a:endParaRPr>
@@ -7330,7 +7303,6 @@
               <a:rPr lang="fr-FR" sz="2400" dirty="0" smtClean="0"/>
               <a:t>Démonstration de chaque objectifs accomplis</a:t>
             </a:r>
-            <a:endParaRPr lang="fr-FR" sz="2400" dirty="0" smtClean="0"/>
           </a:p>
         </p:txBody>
       </p:sp>
@@ -7898,14 +7870,7 @@
                 <a:latin typeface="MV Boli" panose="02000500030200090000" pitchFamily="2" charset="0"/>
                 <a:cs typeface="MV Boli" panose="02000500030200090000" pitchFamily="2" charset="0"/>
               </a:rPr>
-              <a:t>Objectifs d’itération </a:t>
-            </a:r>
-            <a:r>
-              <a:rPr lang="fr-FR" b="1" u="sng" dirty="0" smtClean="0">
-                <a:latin typeface="MV Boli" panose="02000500030200090000" pitchFamily="2" charset="0"/>
-                <a:cs typeface="MV Boli" panose="02000500030200090000" pitchFamily="2" charset="0"/>
-              </a:rPr>
-              <a:t>2</a:t>
+              <a:t>Objectifs d’itération 2</a:t>
             </a:r>
             <a:endParaRPr lang="fr-FR" b="1" u="sng" dirty="0">
               <a:latin typeface="MV Boli" panose="02000500030200090000" pitchFamily="2" charset="0"/>
@@ -7960,7 +7925,6 @@
               <a:rPr lang="fr-FR" dirty="0" smtClean="0"/>
               <a:t>Création de zombies qui suivent le personnage</a:t>
             </a:r>
-            <a:endParaRPr lang="fr-FR" dirty="0" smtClean="0"/>
           </a:p>
         </p:txBody>
       </p:sp>
@@ -8056,14 +8020,7 @@
                 <a:latin typeface="MV Boli" panose="02000500030200090000" pitchFamily="2" charset="0"/>
                 <a:cs typeface="MV Boli" panose="02000500030200090000" pitchFamily="2" charset="0"/>
               </a:rPr>
-              <a:t>Objectifs d’itération </a:t>
-            </a:r>
-            <a:r>
-              <a:rPr lang="fr-FR" b="1" u="sng" dirty="0" smtClean="0">
-                <a:latin typeface="MV Boli" panose="02000500030200090000" pitchFamily="2" charset="0"/>
-                <a:cs typeface="MV Boli" panose="02000500030200090000" pitchFamily="2" charset="0"/>
-              </a:rPr>
-              <a:t>2</a:t>
+              <a:t>Objectifs d’itération 2</a:t>
             </a:r>
             <a:endParaRPr lang="fr-FR" b="1" u="sng" dirty="0">
               <a:latin typeface="MV Boli" panose="02000500030200090000" pitchFamily="2" charset="0"/>
@@ -8118,7 +8075,6 @@
               <a:rPr lang="fr-FR" dirty="0" smtClean="0"/>
               <a:t>Création de zombies qui suivent le personnage</a:t>
             </a:r>
-            <a:endParaRPr lang="fr-FR" dirty="0" smtClean="0"/>
           </a:p>
         </p:txBody>
       </p:sp>
@@ -8371,10 +8327,6 @@
               </a:rPr>
               <a:t>3</a:t>
             </a:r>
-            <a:endParaRPr lang="fr-FR" b="1" u="sng" dirty="0">
-              <a:latin typeface="MV Boli" panose="02000500030200090000" pitchFamily="2" charset="0"/>
-              <a:cs typeface="MV Boli" panose="02000500030200090000" pitchFamily="2" charset="0"/>
-            </a:endParaRPr>
           </a:p>
         </p:txBody>
       </p:sp>
@@ -8464,7 +8416,6 @@
               <a:rPr lang="fr-FR" sz="2000" dirty="0" smtClean="0"/>
               <a:t>Système de résurrection entre alliés</a:t>
             </a:r>
-            <a:endParaRPr lang="fr-FR" sz="2000" dirty="0" smtClean="0"/>
           </a:p>
         </p:txBody>
       </p:sp>
@@ -8569,10 +8520,6 @@
               </a:rPr>
               <a:t>3</a:t>
             </a:r>
-            <a:endParaRPr lang="fr-FR" b="1" u="sng" dirty="0">
-              <a:latin typeface="MV Boli" panose="02000500030200090000" pitchFamily="2" charset="0"/>
-              <a:cs typeface="MV Boli" panose="02000500030200090000" pitchFamily="2" charset="0"/>
-            </a:endParaRPr>
           </a:p>
         </p:txBody>
       </p:sp>
@@ -8662,7 +8609,6 @@
               <a:rPr lang="fr-FR" sz="2000" dirty="0" smtClean="0"/>
               <a:t>Système de résurrection entre alliés</a:t>
             </a:r>
-            <a:endParaRPr lang="fr-FR" sz="2000" dirty="0" smtClean="0"/>
           </a:p>
         </p:txBody>
       </p:sp>
